--- a/New user stories.pptx
+++ b/New user stories.pptx
@@ -221,7 +221,7 @@
           <a:p>
             <a:fld id="{8F62A1AA-067A-4653-B33E-B2E7C9C94C80}" type="datetimeFigureOut">
               <a:rPr lang="en-AU" smtClean="0"/>
-              <a:t>21/09/2016</a:t>
+              <a:t>10/10/2016</a:t>
             </a:fld>
             <a:endParaRPr lang="en-AU"/>
           </a:p>
@@ -3370,7 +3370,7 @@
           <a:p>
             <a:fld id="{F948429C-6762-49E5-8A06-E9E40D1806DA}" type="datetimeFigureOut">
               <a:rPr lang="en-AU" smtClean="0"/>
-              <a:t>21/09/2016</a:t>
+              <a:t>10/10/2016</a:t>
             </a:fld>
             <a:endParaRPr lang="en-AU"/>
           </a:p>
@@ -3540,7 +3540,7 @@
           <a:p>
             <a:fld id="{F948429C-6762-49E5-8A06-E9E40D1806DA}" type="datetimeFigureOut">
               <a:rPr lang="en-AU" smtClean="0"/>
-              <a:t>21/09/2016</a:t>
+              <a:t>10/10/2016</a:t>
             </a:fld>
             <a:endParaRPr lang="en-AU"/>
           </a:p>
@@ -3720,7 +3720,7 @@
           <a:p>
             <a:fld id="{F948429C-6762-49E5-8A06-E9E40D1806DA}" type="datetimeFigureOut">
               <a:rPr lang="en-AU" smtClean="0"/>
-              <a:t>21/09/2016</a:t>
+              <a:t>10/10/2016</a:t>
             </a:fld>
             <a:endParaRPr lang="en-AU"/>
           </a:p>
@@ -3890,7 +3890,7 @@
           <a:p>
             <a:fld id="{F948429C-6762-49E5-8A06-E9E40D1806DA}" type="datetimeFigureOut">
               <a:rPr lang="en-AU" smtClean="0"/>
-              <a:t>21/09/2016</a:t>
+              <a:t>10/10/2016</a:t>
             </a:fld>
             <a:endParaRPr lang="en-AU"/>
           </a:p>
@@ -4136,7 +4136,7 @@
           <a:p>
             <a:fld id="{F948429C-6762-49E5-8A06-E9E40D1806DA}" type="datetimeFigureOut">
               <a:rPr lang="en-AU" smtClean="0"/>
-              <a:t>21/09/2016</a:t>
+              <a:t>10/10/2016</a:t>
             </a:fld>
             <a:endParaRPr lang="en-AU"/>
           </a:p>
@@ -4368,7 +4368,7 @@
           <a:p>
             <a:fld id="{F948429C-6762-49E5-8A06-E9E40D1806DA}" type="datetimeFigureOut">
               <a:rPr lang="en-AU" smtClean="0"/>
-              <a:t>21/09/2016</a:t>
+              <a:t>10/10/2016</a:t>
             </a:fld>
             <a:endParaRPr lang="en-AU"/>
           </a:p>
@@ -4735,7 +4735,7 @@
           <a:p>
             <a:fld id="{F948429C-6762-49E5-8A06-E9E40D1806DA}" type="datetimeFigureOut">
               <a:rPr lang="en-AU" smtClean="0"/>
-              <a:t>21/09/2016</a:t>
+              <a:t>10/10/2016</a:t>
             </a:fld>
             <a:endParaRPr lang="en-AU"/>
           </a:p>
@@ -4853,7 +4853,7 @@
           <a:p>
             <a:fld id="{F948429C-6762-49E5-8A06-E9E40D1806DA}" type="datetimeFigureOut">
               <a:rPr lang="en-AU" smtClean="0"/>
-              <a:t>21/09/2016</a:t>
+              <a:t>10/10/2016</a:t>
             </a:fld>
             <a:endParaRPr lang="en-AU"/>
           </a:p>
@@ -4948,7 +4948,7 @@
           <a:p>
             <a:fld id="{F948429C-6762-49E5-8A06-E9E40D1806DA}" type="datetimeFigureOut">
               <a:rPr lang="en-AU" smtClean="0"/>
-              <a:t>21/09/2016</a:t>
+              <a:t>10/10/2016</a:t>
             </a:fld>
             <a:endParaRPr lang="en-AU"/>
           </a:p>
@@ -5225,7 +5225,7 @@
           <a:p>
             <a:fld id="{F948429C-6762-49E5-8A06-E9E40D1806DA}" type="datetimeFigureOut">
               <a:rPr lang="en-AU" smtClean="0"/>
-              <a:t>21/09/2016</a:t>
+              <a:t>10/10/2016</a:t>
             </a:fld>
             <a:endParaRPr lang="en-AU"/>
           </a:p>
@@ -5478,7 +5478,7 @@
           <a:p>
             <a:fld id="{F948429C-6762-49E5-8A06-E9E40D1806DA}" type="datetimeFigureOut">
               <a:rPr lang="en-AU" smtClean="0"/>
-              <a:t>21/09/2016</a:t>
+              <a:t>10/10/2016</a:t>
             </a:fld>
             <a:endParaRPr lang="en-AU"/>
           </a:p>
@@ -5691,7 +5691,7 @@
           <a:p>
             <a:fld id="{F948429C-6762-49E5-8A06-E9E40D1806DA}" type="datetimeFigureOut">
               <a:rPr lang="en-AU" smtClean="0"/>
-              <a:t>21/09/2016</a:t>
+              <a:t>10/10/2016</a:t>
             </a:fld>
             <a:endParaRPr lang="en-AU"/>
           </a:p>
@@ -13628,16 +13628,16 @@
               <a:buSzPct val="25000"/>
             </a:pPr>
             <a:r>
-              <a:rPr lang="en-US" sz="2000" dirty="0">
-                <a:solidFill>
-                  <a:schemeClr val="dk1"/>
-                </a:solidFill>
-                <a:latin typeface="Calibri"/>
-                <a:ea typeface="Calibri"/>
-                <a:cs typeface="Calibri"/>
-                <a:sym typeface="Calibri"/>
-              </a:rPr>
-              <a:t>2</a:t>
+              <a:rPr lang="en-US" sz="2000" dirty="0" smtClean="0">
+                <a:solidFill>
+                  <a:schemeClr val="dk1"/>
+                </a:solidFill>
+                <a:latin typeface="Calibri"/>
+                <a:ea typeface="Calibri"/>
+                <a:cs typeface="Calibri"/>
+                <a:sym typeface="Calibri"/>
+              </a:rPr>
+              <a:t>1</a:t>
             </a:r>
             <a:endParaRPr lang="en-AU" sz="2000" dirty="0">
               <a:solidFill>
@@ -19441,13 +19441,13 @@
                 <a:buChar char="•"/>
               </a:pPr>
               <a:r>
-                <a:rPr lang="en-AU" sz="2000" dirty="0">
+                <a:rPr lang="en-US" sz="2000" dirty="0" smtClean="0">
                   <a:latin typeface="Calibri"/>
                   <a:ea typeface="Calibri"/>
                   <a:cs typeface="Calibri"/>
                   <a:sym typeface="Calibri"/>
                 </a:rPr>
-                <a:t> Event must exist</a:t>
+                <a:t>Entered value must be positive</a:t>
               </a:r>
             </a:p>
             <a:p>
@@ -19466,8 +19466,18 @@
                   <a:cs typeface="Calibri"/>
                   <a:sym typeface="Calibri"/>
                 </a:rPr>
-                <a:t>Page should ask member how many tickets to reserve</a:t>
+                <a:t>On save it should show on  the attending events page</a:t>
               </a:r>
+            </a:p>
+            <a:p>
+              <a:pPr marL="179387" indent="-179387">
+                <a:buClr>
+                  <a:srgbClr val="000000"/>
+                </a:buClr>
+                <a:buSzPct val="100000"/>
+                <a:buFont typeface="Arial"/>
+                <a:buChar char="•"/>
+              </a:pPr>
               <a:endParaRPr lang="en-AU" sz="2000" dirty="0">
                 <a:latin typeface="Calibri"/>
                 <a:ea typeface="Calibri"/>
@@ -19550,7 +19560,7 @@
                 </a:buClr>
               </a:pPr>
               <a:r>
-                <a:rPr lang="en-US" sz="2000" dirty="0">
+                <a:rPr lang="en-US" sz="2000" dirty="0" smtClean="0">
                   <a:solidFill>
                     <a:srgbClr val="000000"/>
                   </a:solidFill>
@@ -19559,17 +19569,8 @@
                   <a:cs typeface="Calibri"/>
                   <a:sym typeface="Calibri"/>
                 </a:rPr>
-                <a:t>4</a:t>
+                <a:t>2</a:t>
               </a:r>
-              <a:endParaRPr sz="2000" dirty="0">
-                <a:solidFill>
-                  <a:srgbClr val="000000"/>
-                </a:solidFill>
-                <a:latin typeface="Calibri"/>
-                <a:ea typeface="Calibri"/>
-                <a:cs typeface="Calibri"/>
-                <a:sym typeface="Calibri"/>
-              </a:endParaRPr>
             </a:p>
           </p:txBody>
         </p:sp>

--- a/New user stories.pptx
+++ b/New user stories.pptx
@@ -221,7 +221,7 @@
           <a:p>
             <a:fld id="{8F62A1AA-067A-4653-B33E-B2E7C9C94C80}" type="datetimeFigureOut">
               <a:rPr lang="en-AU" smtClean="0"/>
-              <a:t>10/10/2016</a:t>
+              <a:t>24/10/2016</a:t>
             </a:fld>
             <a:endParaRPr lang="en-AU"/>
           </a:p>
@@ -3370,7 +3370,7 @@
           <a:p>
             <a:fld id="{F948429C-6762-49E5-8A06-E9E40D1806DA}" type="datetimeFigureOut">
               <a:rPr lang="en-AU" smtClean="0"/>
-              <a:t>10/10/2016</a:t>
+              <a:t>24/10/2016</a:t>
             </a:fld>
             <a:endParaRPr lang="en-AU"/>
           </a:p>
@@ -3540,7 +3540,7 @@
           <a:p>
             <a:fld id="{F948429C-6762-49E5-8A06-E9E40D1806DA}" type="datetimeFigureOut">
               <a:rPr lang="en-AU" smtClean="0"/>
-              <a:t>10/10/2016</a:t>
+              <a:t>24/10/2016</a:t>
             </a:fld>
             <a:endParaRPr lang="en-AU"/>
           </a:p>
@@ -3720,7 +3720,7 @@
           <a:p>
             <a:fld id="{F948429C-6762-49E5-8A06-E9E40D1806DA}" type="datetimeFigureOut">
               <a:rPr lang="en-AU" smtClean="0"/>
-              <a:t>10/10/2016</a:t>
+              <a:t>24/10/2016</a:t>
             </a:fld>
             <a:endParaRPr lang="en-AU"/>
           </a:p>
@@ -3890,7 +3890,7 @@
           <a:p>
             <a:fld id="{F948429C-6762-49E5-8A06-E9E40D1806DA}" type="datetimeFigureOut">
               <a:rPr lang="en-AU" smtClean="0"/>
-              <a:t>10/10/2016</a:t>
+              <a:t>24/10/2016</a:t>
             </a:fld>
             <a:endParaRPr lang="en-AU"/>
           </a:p>
@@ -4136,7 +4136,7 @@
           <a:p>
             <a:fld id="{F948429C-6762-49E5-8A06-E9E40D1806DA}" type="datetimeFigureOut">
               <a:rPr lang="en-AU" smtClean="0"/>
-              <a:t>10/10/2016</a:t>
+              <a:t>24/10/2016</a:t>
             </a:fld>
             <a:endParaRPr lang="en-AU"/>
           </a:p>
@@ -4368,7 +4368,7 @@
           <a:p>
             <a:fld id="{F948429C-6762-49E5-8A06-E9E40D1806DA}" type="datetimeFigureOut">
               <a:rPr lang="en-AU" smtClean="0"/>
-              <a:t>10/10/2016</a:t>
+              <a:t>24/10/2016</a:t>
             </a:fld>
             <a:endParaRPr lang="en-AU"/>
           </a:p>
@@ -4735,7 +4735,7 @@
           <a:p>
             <a:fld id="{F948429C-6762-49E5-8A06-E9E40D1806DA}" type="datetimeFigureOut">
               <a:rPr lang="en-AU" smtClean="0"/>
-              <a:t>10/10/2016</a:t>
+              <a:t>24/10/2016</a:t>
             </a:fld>
             <a:endParaRPr lang="en-AU"/>
           </a:p>
@@ -4853,7 +4853,7 @@
           <a:p>
             <a:fld id="{F948429C-6762-49E5-8A06-E9E40D1806DA}" type="datetimeFigureOut">
               <a:rPr lang="en-AU" smtClean="0"/>
-              <a:t>10/10/2016</a:t>
+              <a:t>24/10/2016</a:t>
             </a:fld>
             <a:endParaRPr lang="en-AU"/>
           </a:p>
@@ -4948,7 +4948,7 @@
           <a:p>
             <a:fld id="{F948429C-6762-49E5-8A06-E9E40D1806DA}" type="datetimeFigureOut">
               <a:rPr lang="en-AU" smtClean="0"/>
-              <a:t>10/10/2016</a:t>
+              <a:t>24/10/2016</a:t>
             </a:fld>
             <a:endParaRPr lang="en-AU"/>
           </a:p>
@@ -5225,7 +5225,7 @@
           <a:p>
             <a:fld id="{F948429C-6762-49E5-8A06-E9E40D1806DA}" type="datetimeFigureOut">
               <a:rPr lang="en-AU" smtClean="0"/>
-              <a:t>10/10/2016</a:t>
+              <a:t>24/10/2016</a:t>
             </a:fld>
             <a:endParaRPr lang="en-AU"/>
           </a:p>
@@ -5478,7 +5478,7 @@
           <a:p>
             <a:fld id="{F948429C-6762-49E5-8A06-E9E40D1806DA}" type="datetimeFigureOut">
               <a:rPr lang="en-AU" smtClean="0"/>
-              <a:t>10/10/2016</a:t>
+              <a:t>24/10/2016</a:t>
             </a:fld>
             <a:endParaRPr lang="en-AU"/>
           </a:p>
@@ -5691,7 +5691,7 @@
           <a:p>
             <a:fld id="{F948429C-6762-49E5-8A06-E9E40D1806DA}" type="datetimeFigureOut">
               <a:rPr lang="en-AU" smtClean="0"/>
-              <a:t>10/10/2016</a:t>
+              <a:t>24/10/2016</a:t>
             </a:fld>
             <a:endParaRPr lang="en-AU"/>
           </a:p>
@@ -13628,16 +13628,16 @@
               <a:buSzPct val="25000"/>
             </a:pPr>
             <a:r>
-              <a:rPr lang="en-US" sz="2000" dirty="0" smtClean="0">
-                <a:solidFill>
-                  <a:schemeClr val="dk1"/>
-                </a:solidFill>
-                <a:latin typeface="Calibri"/>
-                <a:ea typeface="Calibri"/>
-                <a:cs typeface="Calibri"/>
-                <a:sym typeface="Calibri"/>
-              </a:rPr>
-              <a:t>1</a:t>
+              <a:rPr lang="en-US" sz="2000" dirty="0">
+                <a:solidFill>
+                  <a:schemeClr val="dk1"/>
+                </a:solidFill>
+                <a:latin typeface="Calibri"/>
+                <a:ea typeface="Calibri"/>
+                <a:cs typeface="Calibri"/>
+                <a:sym typeface="Calibri"/>
+              </a:rPr>
+              <a:t>2</a:t>
             </a:r>
             <a:endParaRPr lang="en-AU" sz="2000" dirty="0">
               <a:solidFill>
@@ -15628,8 +15628,29 @@
                 <a:cs typeface="Calibri"/>
                 <a:sym typeface="Calibri"/>
               </a:rPr>
-              <a:t>They can select to email individual members/ volunteers/ sponsor</a:t>
-            </a:r>
+              <a:t>They can select to email individual members/ volunteers/ </a:t>
+            </a:r>
+            <a:r>
+              <a:rPr lang="en-US" sz="2000" dirty="0" smtClean="0">
+                <a:solidFill>
+                  <a:schemeClr val="dk1"/>
+                </a:solidFill>
+                <a:latin typeface="Calibri"/>
+                <a:ea typeface="Calibri"/>
+                <a:cs typeface="Calibri"/>
+                <a:sym typeface="Calibri"/>
+              </a:rPr>
+              <a:t>planners</a:t>
+            </a:r>
+            <a:endParaRPr lang="en-US" sz="2000" dirty="0" smtClean="0">
+              <a:solidFill>
+                <a:schemeClr val="dk1"/>
+              </a:solidFill>
+              <a:latin typeface="Calibri"/>
+              <a:ea typeface="Calibri"/>
+              <a:cs typeface="Calibri"/>
+              <a:sym typeface="Calibri"/>
+            </a:endParaRPr>
           </a:p>
           <a:p>
             <a:pPr marL="179388" indent="-179388">
@@ -15650,8 +15671,29 @@
                 <a:cs typeface="Calibri"/>
                 <a:sym typeface="Calibri"/>
               </a:rPr>
-              <a:t>Or groups of members/ volunteers/ sponsor</a:t>
-            </a:r>
+              <a:t>Or groups of members/ volunteers/ </a:t>
+            </a:r>
+            <a:r>
+              <a:rPr lang="en-US" sz="2000" dirty="0" smtClean="0">
+                <a:solidFill>
+                  <a:schemeClr val="dk1"/>
+                </a:solidFill>
+                <a:latin typeface="Calibri"/>
+                <a:ea typeface="Calibri"/>
+                <a:cs typeface="Calibri"/>
+                <a:sym typeface="Calibri"/>
+              </a:rPr>
+              <a:t>planners</a:t>
+            </a:r>
+            <a:endParaRPr lang="en-US" sz="2000" dirty="0" smtClean="0">
+              <a:solidFill>
+                <a:schemeClr val="dk1"/>
+              </a:solidFill>
+              <a:latin typeface="Calibri"/>
+              <a:ea typeface="Calibri"/>
+              <a:cs typeface="Calibri"/>
+              <a:sym typeface="Calibri"/>
+            </a:endParaRPr>
           </a:p>
           <a:p>
             <a:pPr marL="179388" indent="-179388">
@@ -15672,7 +15714,31 @@
                 <a:cs typeface="Calibri"/>
                 <a:sym typeface="Calibri"/>
               </a:rPr>
-              <a:t>Or only attendees of a specific events, volunteers of a specific event, sponsors of a specific event</a:t>
+              <a:t>Or only attendees of a specific events, volunteers of a specific event, </a:t>
+            </a:r>
+            <a:r>
+              <a:rPr lang="en-US" sz="2000" dirty="0" smtClean="0">
+                <a:solidFill>
+                  <a:schemeClr val="dk1"/>
+                </a:solidFill>
+                <a:latin typeface="Calibri"/>
+                <a:ea typeface="Calibri"/>
+                <a:cs typeface="Calibri"/>
+                <a:sym typeface="Calibri"/>
+              </a:rPr>
+              <a:t>planners </a:t>
+            </a:r>
+            <a:r>
+              <a:rPr lang="en-US" sz="2000" dirty="0" smtClean="0">
+                <a:solidFill>
+                  <a:schemeClr val="dk1"/>
+                </a:solidFill>
+                <a:latin typeface="Calibri"/>
+                <a:ea typeface="Calibri"/>
+                <a:cs typeface="Calibri"/>
+                <a:sym typeface="Calibri"/>
+              </a:rPr>
+              <a:t>of a specific event</a:t>
             </a:r>
             <a:endParaRPr lang="en-AU" sz="2000" dirty="0">
               <a:solidFill>
@@ -19441,13 +19507,13 @@
                 <a:buChar char="•"/>
               </a:pPr>
               <a:r>
-                <a:rPr lang="en-US" sz="2000" dirty="0" smtClean="0">
+                <a:rPr lang="en-AU" sz="2000" dirty="0">
                   <a:latin typeface="Calibri"/>
                   <a:ea typeface="Calibri"/>
                   <a:cs typeface="Calibri"/>
                   <a:sym typeface="Calibri"/>
                 </a:rPr>
-                <a:t>Entered value must be positive</a:t>
+                <a:t> Event must exist</a:t>
               </a:r>
             </a:p>
             <a:p>
@@ -19466,18 +19532,8 @@
                   <a:cs typeface="Calibri"/>
                   <a:sym typeface="Calibri"/>
                 </a:rPr>
-                <a:t>On save it should show on  the attending events page</a:t>
+                <a:t>Page should ask member how many tickets to reserve</a:t>
               </a:r>
-            </a:p>
-            <a:p>
-              <a:pPr marL="179387" indent="-179387">
-                <a:buClr>
-                  <a:srgbClr val="000000"/>
-                </a:buClr>
-                <a:buSzPct val="100000"/>
-                <a:buFont typeface="Arial"/>
-                <a:buChar char="•"/>
-              </a:pPr>
               <a:endParaRPr lang="en-AU" sz="2000" dirty="0">
                 <a:latin typeface="Calibri"/>
                 <a:ea typeface="Calibri"/>
@@ -19560,7 +19616,7 @@
                 </a:buClr>
               </a:pPr>
               <a:r>
-                <a:rPr lang="en-US" sz="2000" dirty="0" smtClean="0">
+                <a:rPr lang="en-US" sz="2000" dirty="0">
                   <a:solidFill>
                     <a:srgbClr val="000000"/>
                   </a:solidFill>
@@ -19569,8 +19625,17 @@
                   <a:cs typeface="Calibri"/>
                   <a:sym typeface="Calibri"/>
                 </a:rPr>
-                <a:t>2</a:t>
+                <a:t>4</a:t>
               </a:r>
+              <a:endParaRPr sz="2000" dirty="0">
+                <a:solidFill>
+                  <a:srgbClr val="000000"/>
+                </a:solidFill>
+                <a:latin typeface="Calibri"/>
+                <a:ea typeface="Calibri"/>
+                <a:cs typeface="Calibri"/>
+                <a:sym typeface="Calibri"/>
+              </a:endParaRPr>
             </a:p>
           </p:txBody>
         </p:sp>
@@ -20343,25 +20408,7 @@
                   <a:cs typeface="Calibri"/>
                   <a:sym typeface="Calibri"/>
                 </a:rPr>
-                <a:t>After save, the map on the </a:t>
-              </a:r>
-              <a:r>
-                <a:rPr lang="en-US" sz="2000" smtClean="0">
-                  <a:latin typeface="Calibri"/>
-                  <a:ea typeface="Calibri"/>
-                  <a:cs typeface="Calibri"/>
-                  <a:sym typeface="Calibri"/>
-                </a:rPr>
-                <a:t>event page </a:t>
-              </a:r>
-              <a:r>
-                <a:rPr lang="en-US" sz="2000" dirty="0" smtClean="0">
-                  <a:latin typeface="Calibri"/>
-                  <a:ea typeface="Calibri"/>
-                  <a:cs typeface="Calibri"/>
-                  <a:sym typeface="Calibri"/>
-                </a:rPr>
-                <a:t>should load the new address</a:t>
+                <a:t>After save, the map on the event page should load the new address</a:t>
               </a:r>
               <a:endParaRPr lang="en-AU" sz="2000" dirty="0">
                 <a:latin typeface="Calibri"/>
